--- a/Hadoop Webinar - Session 3 (Hadoop Map Reduce - Concepts & Hands On).pptx
+++ b/Hadoop Webinar - Session 3 (Hadoop Map Reduce - Concepts & Hands On).pptx
@@ -5,7 +5,7 @@
     <p:sldMasterId id="2147483648" r:id="rId1"/>
   </p:sldMasterIdLst>
   <p:notesMasterIdLst>
-    <p:notesMasterId r:id="rId10"/>
+    <p:notesMasterId r:id="rId11"/>
   </p:notesMasterIdLst>
   <p:sldIdLst>
     <p:sldId id="256" r:id="rId2"/>
@@ -15,7 +15,8 @@
     <p:sldId id="275" r:id="rId6"/>
     <p:sldId id="280" r:id="rId7"/>
     <p:sldId id="281" r:id="rId8"/>
-    <p:sldId id="279" r:id="rId9"/>
+    <p:sldId id="282" r:id="rId9"/>
+    <p:sldId id="279" r:id="rId10"/>
   </p:sldIdLst>
   <p:sldSz cx="9144000" cy="6858000" type="screen4x3"/>
   <p:notesSz cx="6858000" cy="9144000"/>
@@ -4296,6 +4297,106 @@
 </file>
 
 <file path=ppt/slides/slide8.xml><?xml version="1.0" encoding="utf-8"?>
+<p:sld xmlns:a="http://schemas.openxmlformats.org/drawingml/2006/main" xmlns:r="http://schemas.openxmlformats.org/officeDocument/2006/relationships" xmlns:p="http://schemas.openxmlformats.org/presentationml/2006/main">
+  <p:cSld>
+    <p:spTree>
+      <p:nvGrpSpPr>
+        <p:cNvPr id="1" name=""/>
+        <p:cNvGrpSpPr/>
+        <p:nvPr/>
+      </p:nvGrpSpPr>
+      <p:grpSpPr>
+        <a:xfrm>
+          <a:off x="0" y="0"/>
+          <a:ext cx="0" cy="0"/>
+          <a:chOff x="0" y="0"/>
+          <a:chExt cx="0" cy="0"/>
+        </a:xfrm>
+      </p:grpSpPr>
+      <p:sp>
+        <p:nvSpPr>
+          <p:cNvPr id="2" name="Title 1"/>
+          <p:cNvSpPr>
+            <a:spLocks noGrp="1"/>
+          </p:cNvSpPr>
+          <p:nvPr>
+            <p:ph type="title"/>
+          </p:nvPr>
+        </p:nvSpPr>
+        <p:spPr/>
+        <p:txBody>
+          <a:bodyPr/>
+          <a:lstStyle/>
+          <a:p>
+            <a:r>
+              <a:rPr lang="en-IN" dirty="0" smtClean="0">
+                <a:solidFill>
+                  <a:srgbClr val="008000"/>
+                </a:solidFill>
+              </a:rPr>
+              <a:t>Map Reduce </a:t>
+            </a:r>
+            <a:r>
+              <a:rPr lang="en-IN" smtClean="0">
+                <a:solidFill>
+                  <a:srgbClr val="008000"/>
+                </a:solidFill>
+              </a:rPr>
+              <a:t>– Partitioners</a:t>
+            </a:r>
+            <a:endParaRPr lang="en-IN" dirty="0">
+              <a:solidFill>
+                <a:srgbClr val="008000"/>
+              </a:solidFill>
+            </a:endParaRPr>
+          </a:p>
+        </p:txBody>
+      </p:sp>
+      <p:pic>
+        <p:nvPicPr>
+          <p:cNvPr id="4" name="Picture 3"/>
+          <p:cNvPicPr>
+            <a:picLocks noChangeAspect="1"/>
+          </p:cNvPicPr>
+          <p:nvPr/>
+        </p:nvPicPr>
+        <p:blipFill>
+          <a:blip r:embed="rId2"/>
+          <a:stretch>
+            <a:fillRect/>
+          </a:stretch>
+        </p:blipFill>
+        <p:spPr>
+          <a:xfrm>
+            <a:off x="323528" y="1124744"/>
+            <a:ext cx="8640960" cy="4916680"/>
+          </a:xfrm>
+          <a:prstGeom prst="rect">
+            <a:avLst/>
+          </a:prstGeom>
+        </p:spPr>
+      </p:pic>
+    </p:spTree>
+    <p:extLst>
+      <p:ext uri="{BB962C8B-B14F-4D97-AF65-F5344CB8AC3E}">
+        <p14:creationId xmlns:p14="http://schemas.microsoft.com/office/powerpoint/2010/main" val="239420193"/>
+      </p:ext>
+    </p:extLst>
+  </p:cSld>
+  <p:clrMapOvr>
+    <a:masterClrMapping/>
+  </p:clrMapOvr>
+  <p:timing>
+    <p:tnLst>
+      <p:par>
+        <p:cTn xmlns:p14="http://schemas.microsoft.com/office/powerpoint/2010/main" id="1" dur="indefinite" restart="never" nodeType="tmRoot"/>
+      </p:par>
+    </p:tnLst>
+  </p:timing>
+</p:sld>
+</file>
+
+<file path=ppt/slides/slide9.xml><?xml version="1.0" encoding="utf-8"?>
 <p:sld xmlns:a="http://schemas.openxmlformats.org/drawingml/2006/main" xmlns:r="http://schemas.openxmlformats.org/officeDocument/2006/relationships" xmlns:p="http://schemas.openxmlformats.org/presentationml/2006/main">
   <p:cSld>
     <p:spTree>

--- a/Hadoop Webinar - Session 3 (Hadoop Map Reduce - Concepts & Hands On).pptx
+++ b/Hadoop Webinar - Session 3 (Hadoop Map Reduce - Concepts & Hands On).pptx
@@ -5,7 +5,7 @@
     <p:sldMasterId id="2147483648" r:id="rId1"/>
   </p:sldMasterIdLst>
   <p:notesMasterIdLst>
-    <p:notesMasterId r:id="rId11"/>
+    <p:notesMasterId r:id="rId12"/>
   </p:notesMasterIdLst>
   <p:sldIdLst>
     <p:sldId id="256" r:id="rId2"/>
@@ -16,7 +16,8 @@
     <p:sldId id="280" r:id="rId7"/>
     <p:sldId id="281" r:id="rId8"/>
     <p:sldId id="282" r:id="rId9"/>
-    <p:sldId id="279" r:id="rId10"/>
+    <p:sldId id="283" r:id="rId10"/>
+    <p:sldId id="279" r:id="rId11"/>
   </p:sldIdLst>
   <p:sldSz cx="9144000" cy="6858000" type="screen4x3"/>
   <p:notesSz cx="6858000" cy="9144000"/>
@@ -216,7 +217,7 @@
           <a:p>
             <a:fld id="{DF514D65-C560-4569-9AD1-ACA3EB9A2134}" type="datetimeFigureOut">
               <a:rPr lang="en-IN" smtClean="0"/>
-              <a:t>23/03/15</a:t>
+              <a:t>01/04/15</a:t>
             </a:fld>
             <a:endParaRPr lang="en-IN"/>
           </a:p>
@@ -3485,6 +3486,106 @@
 </p:sld>
 </file>
 
+<file path=ppt/slides/slide10.xml><?xml version="1.0" encoding="utf-8"?>
+<p:sld xmlns:a="http://schemas.openxmlformats.org/drawingml/2006/main" xmlns:r="http://schemas.openxmlformats.org/officeDocument/2006/relationships" xmlns:p="http://schemas.openxmlformats.org/presentationml/2006/main">
+  <p:cSld>
+    <p:spTree>
+      <p:nvGrpSpPr>
+        <p:cNvPr id="1" name=""/>
+        <p:cNvGrpSpPr/>
+        <p:nvPr/>
+      </p:nvGrpSpPr>
+      <p:grpSpPr>
+        <a:xfrm>
+          <a:off x="0" y="0"/>
+          <a:ext cx="0" cy="0"/>
+          <a:chOff x="0" y="0"/>
+          <a:chExt cx="0" cy="0"/>
+        </a:xfrm>
+      </p:grpSpPr>
+      <p:sp>
+        <p:nvSpPr>
+          <p:cNvPr id="2" name="Title 1"/>
+          <p:cNvSpPr>
+            <a:spLocks noGrp="1"/>
+          </p:cNvSpPr>
+          <p:nvPr>
+            <p:ph type="title"/>
+          </p:nvPr>
+        </p:nvSpPr>
+        <p:spPr/>
+        <p:txBody>
+          <a:bodyPr/>
+          <a:lstStyle/>
+          <a:p>
+            <a:r>
+              <a:rPr lang="en-IN" dirty="0" smtClean="0">
+                <a:solidFill>
+                  <a:srgbClr val="008000"/>
+                </a:solidFill>
+              </a:rPr>
+              <a:t>Queries on </a:t>
+            </a:r>
+            <a:r>
+              <a:rPr lang="en-IN" smtClean="0">
+                <a:solidFill>
+                  <a:srgbClr val="008000"/>
+                </a:solidFill>
+              </a:rPr>
+              <a:t>Unit 3.0</a:t>
+            </a:r>
+            <a:endParaRPr lang="en-IN" dirty="0">
+              <a:solidFill>
+                <a:srgbClr val="008000"/>
+              </a:solidFill>
+            </a:endParaRPr>
+          </a:p>
+        </p:txBody>
+      </p:sp>
+      <p:pic>
+        <p:nvPicPr>
+          <p:cNvPr id="3" name="Picture 2"/>
+          <p:cNvPicPr>
+            <a:picLocks noChangeAspect="1"/>
+          </p:cNvPicPr>
+          <p:nvPr/>
+        </p:nvPicPr>
+        <p:blipFill>
+          <a:blip r:embed="rId2"/>
+          <a:stretch>
+            <a:fillRect/>
+          </a:stretch>
+        </p:blipFill>
+        <p:spPr>
+          <a:xfrm>
+            <a:off x="2946400" y="1803400"/>
+            <a:ext cx="3251200" cy="3251200"/>
+          </a:xfrm>
+          <a:prstGeom prst="rect">
+            <a:avLst/>
+          </a:prstGeom>
+        </p:spPr>
+      </p:pic>
+    </p:spTree>
+    <p:extLst>
+      <p:ext uri="{BB962C8B-B14F-4D97-AF65-F5344CB8AC3E}">
+        <p14:creationId xmlns:p14="http://schemas.microsoft.com/office/powerpoint/2010/main" val="2224644242"/>
+      </p:ext>
+    </p:extLst>
+  </p:cSld>
+  <p:clrMapOvr>
+    <a:masterClrMapping/>
+  </p:clrMapOvr>
+  <p:timing>
+    <p:tnLst>
+      <p:par>
+        <p:cTn xmlns:p14="http://schemas.microsoft.com/office/powerpoint/2010/main" id="1" dur="indefinite" restart="never" nodeType="tmRoot"/>
+      </p:par>
+    </p:tnLst>
+  </p:timing>
+</p:sld>
+</file>
+
 <file path=ppt/slides/slide2.xml><?xml version="1.0" encoding="utf-8"?>
 <p:sld xmlns:a="http://schemas.openxmlformats.org/drawingml/2006/main" xmlns:r="http://schemas.openxmlformats.org/officeDocument/2006/relationships" xmlns:p="http://schemas.openxmlformats.org/presentationml/2006/main">
   <p:cSld>
@@ -3610,22 +3711,10 @@
               <a:buChar char="v"/>
             </a:pPr>
             <a:r>
-              <a:rPr lang="en-US" sz="2400" dirty="0"/>
-              <a:t>Cloudera Virtual Machine Installed</a:t>
-            </a:r>
-          </a:p>
-          <a:p>
-            <a:pPr lvl="0">
-              <a:buClr>
-                <a:srgbClr val="008000"/>
-              </a:buClr>
-              <a:buFont typeface="Wingdings" charset="2"/>
-              <a:buChar char="v"/>
-            </a:pPr>
-            <a:r>
-              <a:rPr lang="en-US" sz="2400" dirty="0"/>
-              <a:t>Basic Linux Commands Practiced</a:t>
-            </a:r>
+              <a:rPr lang="en-US" sz="2400" dirty="0" smtClean="0"/>
+              <a:t>Problem Solving Complete</a:t>
+            </a:r>
+            <a:endParaRPr lang="en-US" sz="2400" dirty="0"/>
           </a:p>
           <a:p>
             <a:pPr marL="0" indent="0">
@@ -3717,7 +3806,7 @@
         </p:nvSpPr>
         <p:spPr>
           <a:xfrm>
-            <a:off x="457200" y="1268760"/>
+            <a:off x="467544" y="1124744"/>
             <a:ext cx="8458200" cy="4648200"/>
           </a:xfrm>
           <a:prstGeom prst="rect">
@@ -3739,13 +3828,8 @@
             </a:pPr>
             <a:r>
               <a:rPr lang="en-US" sz="2400" dirty="0" smtClean="0"/>
-              <a:t>Queries on Unit </a:t>
-            </a:r>
-            <a:r>
-              <a:rPr lang="en-US" sz="2400" dirty="0" smtClean="0"/>
-              <a:t>3.0</a:t>
-            </a:r>
-            <a:endParaRPr lang="en-US" sz="2400" dirty="0" smtClean="0"/>
+              <a:t>Queries on Unit 3.0</a:t>
+            </a:r>
           </a:p>
           <a:p>
             <a:pPr lvl="0">
@@ -3757,7 +3841,7 @@
             </a:pPr>
             <a:r>
               <a:rPr lang="en-US" sz="2400" dirty="0" smtClean="0"/>
-              <a:t>Map Reduce – Traditional Approach</a:t>
+              <a:t>Distributed Computing – Traditional Approach</a:t>
             </a:r>
           </a:p>
           <a:p>
@@ -3770,7 +3854,7 @@
             </a:pPr>
             <a:r>
               <a:rPr lang="en-US" sz="2400" dirty="0" smtClean="0"/>
-              <a:t>Map Reduce – Hadoop Approach</a:t>
+              <a:t>Hadoop Approach - Map Reduce</a:t>
             </a:r>
           </a:p>
           <a:p>
@@ -3783,7 +3867,11 @@
             </a:pPr>
             <a:r>
               <a:rPr lang="en-US" sz="2400" dirty="0" smtClean="0"/>
-              <a:t>Word Count Examples Explained</a:t>
+              <a:t>Word Count Examples </a:t>
+            </a:r>
+            <a:r>
+              <a:rPr lang="en-US" sz="2400" dirty="0" smtClean="0"/>
+              <a:t>Explained</a:t>
             </a:r>
           </a:p>
           <a:p>
@@ -3796,11 +3884,12 @@
             </a:pPr>
             <a:r>
               <a:rPr lang="en-US" sz="2400" dirty="0" smtClean="0"/>
-              <a:t>Hadoop Partitioners</a:t>
-            </a:r>
-          </a:p>
-          <a:p>
-            <a:pPr lvl="0">
+              <a:t>Word Count Variations &amp; Other Examples</a:t>
+            </a:r>
+            <a:endParaRPr lang="en-US" sz="2400" dirty="0" smtClean="0"/>
+          </a:p>
+          <a:p>
+            <a:pPr>
               <a:buClr>
                 <a:srgbClr val="008000"/>
               </a:buClr>
@@ -3808,8 +3897,21 @@
               <a:buChar char="v"/>
             </a:pPr>
             <a:r>
-              <a:rPr lang="en-US" sz="2400" dirty="0" smtClean="0"/>
+              <a:rPr lang="en-US" sz="2400" dirty="0"/>
               <a:t>Hadoop Combiners</a:t>
+            </a:r>
+          </a:p>
+          <a:p>
+            <a:pPr>
+              <a:buClr>
+                <a:srgbClr val="008000"/>
+              </a:buClr>
+              <a:buFont typeface="Wingdings" charset="2"/>
+              <a:buChar char="v"/>
+            </a:pPr>
+            <a:r>
+              <a:rPr lang="en-US" sz="2400" dirty="0"/>
+              <a:t>Hadoop Partitioners</a:t>
             </a:r>
           </a:p>
           <a:p>
@@ -4058,7 +4160,7 @@
                   <a:srgbClr val="008000"/>
                 </a:solidFill>
               </a:rPr>
-              <a:t>Map Reduce – Traditional Way</a:t>
+              <a:t>Distributed Computing– Traditional Way</a:t>
             </a:r>
             <a:endParaRPr lang="en-IN" dirty="0">
               <a:solidFill>
@@ -4139,9 +4241,16 @@
             <p:ph type="title"/>
           </p:nvPr>
         </p:nvSpPr>
-        <p:spPr/>
+        <p:spPr>
+          <a:xfrm>
+            <a:off x="323528" y="130622"/>
+            <a:ext cx="8820472" cy="778098"/>
+          </a:xfrm>
+        </p:spPr>
         <p:txBody>
-          <a:bodyPr/>
+          <a:bodyPr>
+            <a:normAutofit/>
+          </a:bodyPr>
           <a:lstStyle/>
           <a:p>
             <a:r>
@@ -4150,7 +4259,7 @@
                   <a:srgbClr val="008000"/>
                 </a:solidFill>
               </a:rPr>
-              <a:t>Map Reduce – Hadoop Approach</a:t>
+              <a:t>Hadoop Approach (Map Reduce) </a:t>
             </a:r>
             <a:endParaRPr lang="en-IN" dirty="0">
               <a:solidFill>
@@ -4242,7 +4351,7 @@
                   <a:srgbClr val="008000"/>
                 </a:solidFill>
               </a:rPr>
-              <a:t>Map Reduce – Hadoop Approach</a:t>
+              <a:t>Hadoop Combiners</a:t>
             </a:r>
             <a:endParaRPr lang="en-IN" dirty="0">
               <a:solidFill>
@@ -4334,15 +4443,7 @@
                   <a:srgbClr val="008000"/>
                 </a:solidFill>
               </a:rPr>
-              <a:t>Map Reduce </a:t>
-            </a:r>
-            <a:r>
-              <a:rPr lang="en-IN" smtClean="0">
-                <a:solidFill>
-                  <a:srgbClr val="008000"/>
-                </a:solidFill>
-              </a:rPr>
-              <a:t>– Partitioners</a:t>
+              <a:t>Hadoop Partitioners</a:t>
             </a:r>
             <a:endParaRPr lang="en-IN" dirty="0">
               <a:solidFill>
@@ -4352,30 +4453,227 @@
           </a:p>
         </p:txBody>
       </p:sp>
-      <p:pic>
-        <p:nvPicPr>
-          <p:cNvPr id="4" name="Picture 3"/>
-          <p:cNvPicPr>
-            <a:picLocks noChangeAspect="1"/>
-          </p:cNvPicPr>
-          <p:nvPr/>
-        </p:nvPicPr>
-        <p:blipFill>
-          <a:blip r:embed="rId2"/>
-          <a:stretch>
-            <a:fillRect/>
-          </a:stretch>
-        </p:blipFill>
+      <p:sp>
+        <p:nvSpPr>
+          <p:cNvPr id="5" name="Content Placeholder 2"/>
+          <p:cNvSpPr>
+            <a:spLocks noGrp="1"/>
+          </p:cNvSpPr>
+          <p:nvPr>
+            <p:ph sz="quarter" idx="4294967295"/>
+          </p:nvPr>
+        </p:nvSpPr>
         <p:spPr>
           <a:xfrm>
-            <a:off x="323528" y="1124744"/>
-            <a:ext cx="8640960" cy="4916680"/>
+            <a:off x="467544" y="1124744"/>
+            <a:ext cx="8458200" cy="4648200"/>
           </a:xfrm>
           <a:prstGeom prst="rect">
             <a:avLst/>
           </a:prstGeom>
         </p:spPr>
-      </p:pic>
+        <p:txBody>
+          <a:bodyPr>
+            <a:normAutofit lnSpcReduction="10000"/>
+          </a:bodyPr>
+          <a:lstStyle/>
+          <a:p>
+            <a:pPr lvl="0">
+              <a:buClr>
+                <a:srgbClr val="008000"/>
+              </a:buClr>
+              <a:buFont typeface="Wingdings" charset="2"/>
+              <a:buChar char="v"/>
+            </a:pPr>
+            <a:r>
+              <a:rPr lang="en-US" sz="2400" dirty="0" smtClean="0"/>
+              <a:t>Partitioner looks up the key generated by mappers</a:t>
+            </a:r>
+          </a:p>
+          <a:p>
+            <a:pPr lvl="0">
+              <a:buClr>
+                <a:srgbClr val="008000"/>
+              </a:buClr>
+              <a:buFont typeface="Wingdings" charset="2"/>
+              <a:buChar char="v"/>
+            </a:pPr>
+            <a:r>
+              <a:rPr lang="en-US" sz="2400" dirty="0" smtClean="0"/>
+              <a:t>It </a:t>
+            </a:r>
+            <a:r>
+              <a:rPr lang="en-US" sz="2400" dirty="0"/>
+              <a:t>f</a:t>
+            </a:r>
+            <a:r>
+              <a:rPr lang="en-US" sz="2400" dirty="0" smtClean="0"/>
+              <a:t>inds the ASCII value of the key</a:t>
+            </a:r>
+          </a:p>
+          <a:p>
+            <a:pPr lvl="0">
+              <a:buClr>
+                <a:srgbClr val="008000"/>
+              </a:buClr>
+              <a:buFont typeface="Wingdings" charset="2"/>
+              <a:buChar char="v"/>
+            </a:pPr>
+            <a:r>
+              <a:rPr lang="en-US" sz="2400" dirty="0" smtClean="0"/>
+              <a:t>Partitioner now does a </a:t>
+            </a:r>
+            <a:r>
+              <a:rPr lang="en-US" sz="2400" smtClean="0"/>
+              <a:t>hash </a:t>
+            </a:r>
+            <a:r>
+              <a:rPr lang="en-US" sz="2400" smtClean="0"/>
+              <a:t>modulo </a:t>
+            </a:r>
+            <a:r>
+              <a:rPr lang="en-US" sz="2400" dirty="0" smtClean="0"/>
+              <a:t>over ASCII Value to decide which key is to be sent to which reducer.</a:t>
+            </a:r>
+          </a:p>
+          <a:p>
+            <a:pPr lvl="0">
+              <a:buClr>
+                <a:srgbClr val="008000"/>
+              </a:buClr>
+              <a:buFont typeface="Wingdings" charset="2"/>
+              <a:buChar char="v"/>
+            </a:pPr>
+            <a:r>
+              <a:rPr lang="en-US" sz="2400" dirty="0" smtClean="0"/>
+              <a:t>It now creates the partitions at the mapper machines to be sent to different reducers. It then starts sending these partitions to the respective reducer machines using the shuffling process. </a:t>
+            </a:r>
+          </a:p>
+          <a:p>
+            <a:pPr lvl="0">
+              <a:buClr>
+                <a:srgbClr val="008000"/>
+              </a:buClr>
+              <a:buFont typeface="Wingdings" charset="2"/>
+              <a:buChar char="v"/>
+            </a:pPr>
+            <a:r>
+              <a:rPr lang="en-US" sz="2400" dirty="0" smtClean="0"/>
+              <a:t>Each of these reducer machines will receive the partitions from other mapper machines as well.</a:t>
+            </a:r>
+          </a:p>
+          <a:p>
+            <a:pPr lvl="0">
+              <a:buClr>
+                <a:srgbClr val="008000"/>
+              </a:buClr>
+              <a:buFont typeface="Wingdings" charset="2"/>
+              <a:buChar char="v"/>
+            </a:pPr>
+            <a:r>
+              <a:rPr lang="en-US" sz="2400" dirty="0" smtClean="0"/>
+              <a:t>Stage is now set for the sort at reducer </a:t>
+            </a:r>
+            <a:r>
+              <a:rPr lang="en-US" sz="2400" dirty="0" smtClean="0"/>
+              <a:t>machine after the merge. </a:t>
+            </a:r>
+            <a:r>
+              <a:rPr lang="en-US" sz="2400" dirty="0" smtClean="0"/>
+              <a:t>Similar keys are arrange in a single key value pairs. </a:t>
+            </a:r>
+          </a:p>
+          <a:p>
+            <a:pPr lvl="0">
+              <a:buClr>
+                <a:srgbClr val="008000"/>
+              </a:buClr>
+              <a:buFont typeface="Wingdings" charset="2"/>
+              <a:buChar char="v"/>
+            </a:pPr>
+            <a:r>
+              <a:rPr lang="en-US" sz="2400" dirty="0" smtClean="0"/>
+              <a:t>These pairs are now fed into the reducer. </a:t>
+            </a:r>
+          </a:p>
+          <a:p>
+            <a:pPr lvl="0">
+              <a:buClr>
+                <a:srgbClr val="008000"/>
+              </a:buClr>
+              <a:buFont typeface="Wingdings" charset="2"/>
+              <a:buChar char="v"/>
+            </a:pPr>
+            <a:endParaRPr lang="en-US" sz="2400" dirty="0" smtClean="0"/>
+          </a:p>
+          <a:p>
+            <a:pPr lvl="0">
+              <a:buClr>
+                <a:srgbClr val="008000"/>
+              </a:buClr>
+              <a:buFont typeface="Wingdings" charset="2"/>
+              <a:buChar char="v"/>
+            </a:pPr>
+            <a:endParaRPr lang="en-US" sz="2400" dirty="0" smtClean="0"/>
+          </a:p>
+          <a:p>
+            <a:pPr lvl="0">
+              <a:buClr>
+                <a:srgbClr val="008000"/>
+              </a:buClr>
+              <a:buFont typeface="Wingdings" charset="2"/>
+              <a:buChar char="v"/>
+            </a:pPr>
+            <a:endParaRPr lang="en-US" sz="2400" dirty="0" smtClean="0"/>
+          </a:p>
+          <a:p>
+            <a:pPr lvl="0">
+              <a:buClr>
+                <a:srgbClr val="008000"/>
+              </a:buClr>
+              <a:buFont typeface="Wingdings" charset="2"/>
+              <a:buChar char="v"/>
+            </a:pPr>
+            <a:endParaRPr lang="en-US" sz="2400" dirty="0" smtClean="0"/>
+          </a:p>
+          <a:p>
+            <a:pPr lvl="0"/>
+            <a:endParaRPr lang="en-US" sz="2400" dirty="0" smtClean="0"/>
+          </a:p>
+          <a:p>
+            <a:pPr lvl="0"/>
+            <a:endParaRPr lang="en-US" sz="2400" dirty="0" smtClean="0"/>
+          </a:p>
+          <a:p>
+            <a:pPr marL="0" lvl="0" indent="0">
+              <a:buNone/>
+            </a:pPr>
+            <a:endParaRPr lang="en-US" sz="2400" dirty="0" smtClean="0"/>
+          </a:p>
+          <a:p>
+            <a:pPr lvl="0"/>
+            <a:endParaRPr lang="en-US" sz="2400" dirty="0" smtClean="0"/>
+          </a:p>
+          <a:p>
+            <a:pPr lvl="0"/>
+            <a:endParaRPr lang="en-US" sz="2400" dirty="0" smtClean="0"/>
+          </a:p>
+          <a:p>
+            <a:pPr lvl="0"/>
+            <a:endParaRPr lang="en-US" sz="2400" dirty="0" smtClean="0"/>
+          </a:p>
+          <a:p>
+            <a:pPr lvl="0"/>
+            <a:endParaRPr lang="en-US" sz="2400" dirty="0"/>
+          </a:p>
+          <a:p>
+            <a:pPr marL="0" indent="0">
+              <a:buNone/>
+            </a:pPr>
+            <a:endParaRPr lang="en-IN" sz="3200" dirty="0" smtClean="0"/>
+          </a:p>
+        </p:txBody>
+      </p:sp>
     </p:spTree>
     <p:extLst>
       <p:ext uri="{BB962C8B-B14F-4D97-AF65-F5344CB8AC3E}">
@@ -4434,15 +4732,7 @@
                   <a:srgbClr val="008000"/>
                 </a:solidFill>
               </a:rPr>
-              <a:t>Queries on </a:t>
-            </a:r>
-            <a:r>
-              <a:rPr lang="en-IN" smtClean="0">
-                <a:solidFill>
-                  <a:srgbClr val="008000"/>
-                </a:solidFill>
-              </a:rPr>
-              <a:t>Unit 3.0</a:t>
+              <a:t>Shuffle Operation</a:t>
             </a:r>
             <a:endParaRPr lang="en-IN" dirty="0">
               <a:solidFill>
@@ -4468,8 +4758,8 @@
         </p:blipFill>
         <p:spPr>
           <a:xfrm>
-            <a:off x="2946400" y="1803400"/>
-            <a:ext cx="3251200" cy="3251200"/>
+            <a:off x="127000" y="1447800"/>
+            <a:ext cx="8890000" cy="3962400"/>
           </a:xfrm>
           <a:prstGeom prst="rect">
             <a:avLst/>
@@ -4479,7 +4769,7 @@
     </p:spTree>
     <p:extLst>
       <p:ext uri="{BB962C8B-B14F-4D97-AF65-F5344CB8AC3E}">
-        <p14:creationId xmlns:p14="http://schemas.microsoft.com/office/powerpoint/2010/main" val="2224644242"/>
+        <p14:creationId xmlns:p14="http://schemas.microsoft.com/office/powerpoint/2010/main" val="714131696"/>
       </p:ext>
     </p:extLst>
   </p:cSld>
